--- a/m2proj/Daniel_M2_Project_Presentation.pptx
+++ b/m2proj/Daniel_M2_Project_Presentation.pptx
@@ -33,7 +33,7 @@
     <p:sldId id="549" r:id="rId23"/>
     <p:sldId id="495" r:id="rId24"/>
     <p:sldId id="497" r:id="rId25"/>
-    <p:sldId id="502" r:id="rId26"/>
+    <p:sldId id="551" r:id="rId26"/>
     <p:sldId id="503" r:id="rId27"/>
     <p:sldId id="504" r:id="rId28"/>
   </p:sldIdLst>
@@ -216,7 +216,7 @@
           <p:cNvPr id="2" name="Header Placeholder 1">
             <a:extLst>
               <a:ext uri="{FF2B5EF4-FFF2-40B4-BE49-F238E27FC236}">
-                <a16:creationId xmlns:a16="http://schemas.microsoft.com/office/drawing/2014/main" xmlns="" id="{241F0257-D4C1-4326-9E82-39FD118DFF4E}"/>
+                <a16:creationId xmlns="" xmlns:a16="http://schemas.microsoft.com/office/drawing/2014/main" id="{241F0257-D4C1-4326-9E82-39FD118DFF4E}"/>
               </a:ext>
             </a:extLst>
           </p:cNvPr>
@@ -260,7 +260,7 @@
           <p:cNvPr id="3" name="Date Placeholder 2">
             <a:extLst>
               <a:ext uri="{FF2B5EF4-FFF2-40B4-BE49-F238E27FC236}">
-                <a16:creationId xmlns:a16="http://schemas.microsoft.com/office/drawing/2014/main" xmlns="" id="{01A11B29-C449-4ED0-875D-903E4926BA12}"/>
+                <a16:creationId xmlns="" xmlns:a16="http://schemas.microsoft.com/office/drawing/2014/main" id="{01A11B29-C449-4ED0-875D-903E4926BA12}"/>
               </a:ext>
             </a:extLst>
           </p:cNvPr>
@@ -302,7 +302,7 @@
               <a:pPr>
                 <a:defRPr/>
               </a:pPr>
-              <a:t>6/3/2019</a:t>
+              <a:t>6/4/2019</a:t>
             </a:fld>
             <a:endParaRPr lang="en-US" altLang="en-US"/>
           </a:p>
@@ -313,7 +313,7 @@
           <p:cNvPr id="4" name="Footer Placeholder 3">
             <a:extLst>
               <a:ext uri="{FF2B5EF4-FFF2-40B4-BE49-F238E27FC236}">
-                <a16:creationId xmlns:a16="http://schemas.microsoft.com/office/drawing/2014/main" xmlns="" id="{B1D58078-E18C-4170-BB15-F5262C8F09A8}"/>
+                <a16:creationId xmlns="" xmlns:a16="http://schemas.microsoft.com/office/drawing/2014/main" id="{B1D58078-E18C-4170-BB15-F5262C8F09A8}"/>
               </a:ext>
             </a:extLst>
           </p:cNvPr>
@@ -357,7 +357,7 @@
           <p:cNvPr id="5" name="Slide Number Placeholder 4">
             <a:extLst>
               <a:ext uri="{FF2B5EF4-FFF2-40B4-BE49-F238E27FC236}">
-                <a16:creationId xmlns:a16="http://schemas.microsoft.com/office/drawing/2014/main" xmlns="" id="{285B2E91-FD3E-486E-B6D1-06B2EA8A50F2}"/>
+                <a16:creationId xmlns="" xmlns:a16="http://schemas.microsoft.com/office/drawing/2014/main" id="{285B2E91-FD3E-486E-B6D1-06B2EA8A50F2}"/>
               </a:ext>
             </a:extLst>
           </p:cNvPr>
@@ -446,7 +446,7 @@
           <p:cNvPr id="2" name="Header Placeholder 1">
             <a:extLst>
               <a:ext uri="{FF2B5EF4-FFF2-40B4-BE49-F238E27FC236}">
-                <a16:creationId xmlns:a16="http://schemas.microsoft.com/office/drawing/2014/main" xmlns="" id="{6250C6D0-7BD5-41CE-86E0-C83F17240A8C}"/>
+                <a16:creationId xmlns="" xmlns:a16="http://schemas.microsoft.com/office/drawing/2014/main" id="{6250C6D0-7BD5-41CE-86E0-C83F17240A8C}"/>
               </a:ext>
             </a:extLst>
           </p:cNvPr>
@@ -494,7 +494,7 @@
           <p:cNvPr id="3" name="Date Placeholder 2">
             <a:extLst>
               <a:ext uri="{FF2B5EF4-FFF2-40B4-BE49-F238E27FC236}">
-                <a16:creationId xmlns:a16="http://schemas.microsoft.com/office/drawing/2014/main" xmlns="" id="{227D0C39-618E-485C-9727-6293879894F1}"/>
+                <a16:creationId xmlns="" xmlns:a16="http://schemas.microsoft.com/office/drawing/2014/main" id="{227D0C39-618E-485C-9727-6293879894F1}"/>
               </a:ext>
             </a:extLst>
           </p:cNvPr>
@@ -536,7 +536,7 @@
               <a:pPr>
                 <a:defRPr/>
               </a:pPr>
-              <a:t>6/3/2019</a:t>
+              <a:t>6/4/2019</a:t>
             </a:fld>
             <a:endParaRPr lang="en-US" altLang="en-US"/>
           </a:p>
@@ -547,7 +547,7 @@
           <p:cNvPr id="4" name="Slide Image Placeholder 3">
             <a:extLst>
               <a:ext uri="{FF2B5EF4-FFF2-40B4-BE49-F238E27FC236}">
-                <a16:creationId xmlns:a16="http://schemas.microsoft.com/office/drawing/2014/main" xmlns="" id="{1FDFC11C-9ECD-4196-8106-AEE811668429}"/>
+                <a16:creationId xmlns="" xmlns:a16="http://schemas.microsoft.com/office/drawing/2014/main" id="{1FDFC11C-9ECD-4196-8106-AEE811668429}"/>
               </a:ext>
             </a:extLst>
           </p:cNvPr>
@@ -587,7 +587,7 @@
           <p:cNvPr id="5" name="Notes Placeholder 4">
             <a:extLst>
               <a:ext uri="{FF2B5EF4-FFF2-40B4-BE49-F238E27FC236}">
-                <a16:creationId xmlns:a16="http://schemas.microsoft.com/office/drawing/2014/main" xmlns="" id="{CD54ECD9-5E0F-4C18-B59D-09F6C6AA3C64}"/>
+                <a16:creationId xmlns="" xmlns:a16="http://schemas.microsoft.com/office/drawing/2014/main" id="{CD54ECD9-5E0F-4C18-B59D-09F6C6AA3C64}"/>
               </a:ext>
             </a:extLst>
           </p:cNvPr>
@@ -657,7 +657,7 @@
           <p:cNvPr id="6" name="Footer Placeholder 5">
             <a:extLst>
               <a:ext uri="{FF2B5EF4-FFF2-40B4-BE49-F238E27FC236}">
-                <a16:creationId xmlns:a16="http://schemas.microsoft.com/office/drawing/2014/main" xmlns="" id="{841ED286-0FCD-40D2-AE4B-BDE79DE6BDE3}"/>
+                <a16:creationId xmlns="" xmlns:a16="http://schemas.microsoft.com/office/drawing/2014/main" id="{841ED286-0FCD-40D2-AE4B-BDE79DE6BDE3}"/>
               </a:ext>
             </a:extLst>
           </p:cNvPr>
@@ -705,7 +705,7 @@
           <p:cNvPr id="7" name="Slide Number Placeholder 6">
             <a:extLst>
               <a:ext uri="{FF2B5EF4-FFF2-40B4-BE49-F238E27FC236}">
-                <a16:creationId xmlns:a16="http://schemas.microsoft.com/office/drawing/2014/main" xmlns="" id="{33DFF9B1-3DCA-49C2-BD2F-A9E6C70CF26F}"/>
+                <a16:creationId xmlns="" xmlns:a16="http://schemas.microsoft.com/office/drawing/2014/main" id="{33DFF9B1-3DCA-49C2-BD2F-A9E6C70CF26F}"/>
               </a:ext>
             </a:extLst>
           </p:cNvPr>
@@ -3728,7 +3728,7 @@
     </p:spTree>
     <p:extLst>
       <p:ext uri="{BB962C8B-B14F-4D97-AF65-F5344CB8AC3E}">
-        <p14:creationId xmlns:p14="http://schemas.microsoft.com/office/powerpoint/2010/main" val="1287191325"/>
+        <p14:creationId xmlns:p14="http://schemas.microsoft.com/office/powerpoint/2010/main" val="2318960039"/>
       </p:ext>
     </p:extLst>
   </p:cSld>
@@ -8057,7 +8057,7 @@
           <p:cNvPr id="15362" name="Title 1">
             <a:extLst>
               <a:ext uri="{FF2B5EF4-FFF2-40B4-BE49-F238E27FC236}">
-                <a16:creationId xmlns:a16="http://schemas.microsoft.com/office/drawing/2014/main" xmlns="" id="{F8C4D659-D2DE-4C58-AB4B-A520621188B5}"/>
+                <a16:creationId xmlns="" xmlns:a16="http://schemas.microsoft.com/office/drawing/2014/main" id="{F8C4D659-D2DE-4C58-AB4B-A520621188B5}"/>
               </a:ext>
             </a:extLst>
           </p:cNvPr>
@@ -8273,7 +8273,7 @@
           <p:cNvPr id="5" name="Title 1">
             <a:extLst>
               <a:ext uri="{FF2B5EF4-FFF2-40B4-BE49-F238E27FC236}">
-                <a16:creationId xmlns:a16="http://schemas.microsoft.com/office/drawing/2014/main" xmlns="" id="{2FD8EF29-9665-4851-AC0A-DE53C2ECA400}"/>
+                <a16:creationId xmlns="" xmlns:a16="http://schemas.microsoft.com/office/drawing/2014/main" id="{2FD8EF29-9665-4851-AC0A-DE53C2ECA400}"/>
               </a:ext>
             </a:extLst>
           </p:cNvPr>
@@ -8465,7 +8465,19 @@
               <a:rPr lang="en-US" altLang="en-US" sz="1400" b="1" dirty="0">
                 <a:latin typeface="+mn-lt"/>
               </a:rPr>
-              <a:t>Submission Date	:	</a:t>
+              <a:t>Submission Date	</a:t>
+            </a:r>
+            <a:r>
+              <a:rPr lang="en-US" altLang="en-US" sz="1400" b="1" dirty="0" smtClean="0">
+                <a:latin typeface="+mn-lt"/>
+              </a:rPr>
+              <a:t>: 4/6/2019</a:t>
+            </a:r>
+            <a:r>
+              <a:rPr lang="en-US" altLang="en-US" sz="1400" b="1" dirty="0">
+                <a:latin typeface="+mn-lt"/>
+              </a:rPr>
+              <a:t>	</a:t>
             </a:r>
           </a:p>
           <a:p>
@@ -8492,7 +8504,7 @@
           <p:cNvPr id="6" name="Title 1">
             <a:extLst>
               <a:ext uri="{FF2B5EF4-FFF2-40B4-BE49-F238E27FC236}">
-                <a16:creationId xmlns:a16="http://schemas.microsoft.com/office/drawing/2014/main" xmlns="" id="{0FF56BE0-D84B-4277-AAA9-969C2A0B0900}"/>
+                <a16:creationId xmlns="" xmlns:a16="http://schemas.microsoft.com/office/drawing/2014/main" id="{0FF56BE0-D84B-4277-AAA9-969C2A0B0900}"/>
               </a:ext>
             </a:extLst>
           </p:cNvPr>
@@ -8717,7 +8729,7 @@
           <p:cNvPr id="7" name="Title 1">
             <a:extLst>
               <a:ext uri="{FF2B5EF4-FFF2-40B4-BE49-F238E27FC236}">
-                <a16:creationId xmlns:a16="http://schemas.microsoft.com/office/drawing/2014/main" xmlns="" id="{8AE8E0AC-964A-4398-88BC-E6C22C3B9853}"/>
+                <a16:creationId xmlns="" xmlns:a16="http://schemas.microsoft.com/office/drawing/2014/main" id="{8AE8E0AC-964A-4398-88BC-E6C22C3B9853}"/>
               </a:ext>
             </a:extLst>
           </p:cNvPr>
@@ -8869,7 +8881,25 @@
               <a:rPr lang="en-US" altLang="en-US" sz="1400" b="1" dirty="0">
                 <a:latin typeface="+mn-lt"/>
               </a:rPr>
-              <a:t>Learner Name	: 	</a:t>
+              <a:t>Learner Name	: </a:t>
+            </a:r>
+            <a:r>
+              <a:rPr lang="en-US" altLang="en-US" sz="1400" b="1" dirty="0" smtClean="0">
+                <a:latin typeface="+mn-lt"/>
+              </a:rPr>
+              <a:t>Daniel </a:t>
+            </a:r>
+            <a:r>
+              <a:rPr lang="en-US" altLang="en-US" sz="1400" b="1" dirty="0" err="1" smtClean="0">
+                <a:latin typeface="+mn-lt"/>
+              </a:rPr>
+              <a:t>Seah</a:t>
+            </a:r>
+            <a:r>
+              <a:rPr lang="en-US" altLang="en-US" sz="1400" b="1" dirty="0">
+                <a:latin typeface="+mn-lt"/>
+              </a:rPr>
+              <a:t>	</a:t>
             </a:r>
           </a:p>
           <a:p>
@@ -8909,7 +8939,25 @@
               <a:rPr lang="en-US" altLang="en-US" sz="1400" b="1" dirty="0">
                 <a:latin typeface="+mn-lt"/>
               </a:rPr>
-              <a:t>Presentation Date	:	</a:t>
+              <a:t>Presentation Date</a:t>
+            </a:r>
+            <a:r>
+              <a:rPr lang="en-US" altLang="en-US" sz="1400" b="1">
+                <a:latin typeface="+mn-lt"/>
+              </a:rPr>
+              <a:t>	</a:t>
+            </a:r>
+            <a:r>
+              <a:rPr lang="en-US" altLang="en-US" sz="1400" b="1" smtClean="0">
+                <a:latin typeface="+mn-lt"/>
+              </a:rPr>
+              <a:t>: 4/6/2019</a:t>
+            </a:r>
+            <a:r>
+              <a:rPr lang="en-US" altLang="en-US" sz="1400" b="1" dirty="0">
+                <a:latin typeface="+mn-lt"/>
+              </a:rPr>
+              <a:t>	</a:t>
             </a:r>
           </a:p>
           <a:p>
@@ -9132,7 +9180,7 @@
           <p:cNvPr id="5" name="Rectangle 4">
             <a:extLst>
               <a:ext uri="{FF2B5EF4-FFF2-40B4-BE49-F238E27FC236}">
-                <a16:creationId xmlns:a16="http://schemas.microsoft.com/office/drawing/2014/main" xmlns="" id="{0FF74869-74C2-44A7-8925-93275F9D18B8}"/>
+                <a16:creationId xmlns="" xmlns:a16="http://schemas.microsoft.com/office/drawing/2014/main" id="{0FF74869-74C2-44A7-8925-93275F9D18B8}"/>
               </a:ext>
             </a:extLst>
           </p:cNvPr>
@@ -9555,7 +9603,7 @@
           <p:cNvPr id="5" name="Rectangle 4">
             <a:extLst>
               <a:ext uri="{FF2B5EF4-FFF2-40B4-BE49-F238E27FC236}">
-                <a16:creationId xmlns:a16="http://schemas.microsoft.com/office/drawing/2014/main" xmlns="" id="{0FF74869-74C2-44A7-8925-93275F9D18B8}"/>
+                <a16:creationId xmlns="" xmlns:a16="http://schemas.microsoft.com/office/drawing/2014/main" id="{0FF74869-74C2-44A7-8925-93275F9D18B8}"/>
               </a:ext>
             </a:extLst>
           </p:cNvPr>
@@ -9957,7 +10005,7 @@
           <p:cNvPr id="5" name="Rectangle 4">
             <a:extLst>
               <a:ext uri="{FF2B5EF4-FFF2-40B4-BE49-F238E27FC236}">
-                <a16:creationId xmlns:a16="http://schemas.microsoft.com/office/drawing/2014/main" xmlns="" id="{0FF74869-74C2-44A7-8925-93275F9D18B8}"/>
+                <a16:creationId xmlns="" xmlns:a16="http://schemas.microsoft.com/office/drawing/2014/main" id="{0FF74869-74C2-44A7-8925-93275F9D18B8}"/>
               </a:ext>
             </a:extLst>
           </p:cNvPr>
@@ -10550,7 +10598,7 @@
           <p:cNvPr id="5" name="Rectangle 4">
             <a:extLst>
               <a:ext uri="{FF2B5EF4-FFF2-40B4-BE49-F238E27FC236}">
-                <a16:creationId xmlns:a16="http://schemas.microsoft.com/office/drawing/2014/main" xmlns="" id="{B7EAC177-7965-46A1-AA4C-990B719DA089}"/>
+                <a16:creationId xmlns="" xmlns:a16="http://schemas.microsoft.com/office/drawing/2014/main" id="{B7EAC177-7965-46A1-AA4C-990B719DA089}"/>
               </a:ext>
             </a:extLst>
           </p:cNvPr>
@@ -10753,7 +10801,7 @@
           <p:cNvPr id="3" name="Table 2">
             <a:extLst>
               <a:ext uri="{FF2B5EF4-FFF2-40B4-BE49-F238E27FC236}">
-                <a16:creationId xmlns:a16="http://schemas.microsoft.com/office/drawing/2014/main" xmlns="" id="{96152F68-25E9-40E7-A9A4-A018950AFF6E}"/>
+                <a16:creationId xmlns="" xmlns:a16="http://schemas.microsoft.com/office/drawing/2014/main" id="{96152F68-25E9-40E7-A9A4-A018950AFF6E}"/>
               </a:ext>
             </a:extLst>
           </p:cNvPr>
@@ -10770,7 +10818,7 @@
         </p:nvGraphicFramePr>
         <p:xfrm>
           <a:off x="207963" y="1768475"/>
-          <a:ext cx="8540750" cy="4579464"/>
+          <a:ext cx="8540750" cy="4591846"/>
         </p:xfrm>
         <a:graphic>
           <a:graphicData uri="http://schemas.openxmlformats.org/drawingml/2006/table">
@@ -10782,21 +10830,21 @@
                 <a:gridCol w="835320">
                   <a:extLst>
                     <a:ext uri="{9D8B030D-6E8A-4147-A177-3AD203B41FA5}">
-                      <a16:colId xmlns:a16="http://schemas.microsoft.com/office/drawing/2014/main" xmlns="" val="759255753"/>
+                      <a16:colId xmlns="" xmlns:a16="http://schemas.microsoft.com/office/drawing/2014/main" val="759255753"/>
                     </a:ext>
                   </a:extLst>
                 </a:gridCol>
                 <a:gridCol w="3816708">
                   <a:extLst>
                     <a:ext uri="{9D8B030D-6E8A-4147-A177-3AD203B41FA5}">
-                      <a16:colId xmlns:a16="http://schemas.microsoft.com/office/drawing/2014/main" xmlns="" val="2814782572"/>
+                      <a16:colId xmlns="" xmlns:a16="http://schemas.microsoft.com/office/drawing/2014/main" val="2814782572"/>
                     </a:ext>
                   </a:extLst>
                 </a:gridCol>
                 <a:gridCol w="3888722">
                   <a:extLst>
                     <a:ext uri="{9D8B030D-6E8A-4147-A177-3AD203B41FA5}">
-                      <a16:colId xmlns:a16="http://schemas.microsoft.com/office/drawing/2014/main" xmlns="" val="1677375196"/>
+                      <a16:colId xmlns="" xmlns:a16="http://schemas.microsoft.com/office/drawing/2014/main" val="1677375196"/>
                     </a:ext>
                   </a:extLst>
                 </a:gridCol>
@@ -10870,7 +10918,7 @@
                 </a:tc>
                 <a:extLst>
                   <a:ext uri="{0D108BD9-81ED-4DB2-BD59-A6C34878D82A}">
-                    <a16:rowId xmlns:a16="http://schemas.microsoft.com/office/drawing/2014/main" xmlns="" val="1837542275"/>
+                    <a16:rowId xmlns="" xmlns:a16="http://schemas.microsoft.com/office/drawing/2014/main" val="1837542275"/>
                   </a:ext>
                 </a:extLst>
               </a:tr>
@@ -10982,7 +11030,7 @@
                 </a:tc>
                 <a:extLst>
                   <a:ext uri="{0D108BD9-81ED-4DB2-BD59-A6C34878D82A}">
-                    <a16:rowId xmlns:a16="http://schemas.microsoft.com/office/drawing/2014/main" xmlns="" val="3812758090"/>
+                    <a16:rowId xmlns="" xmlns:a16="http://schemas.microsoft.com/office/drawing/2014/main" val="3812758090"/>
                   </a:ext>
                 </a:extLst>
               </a:tr>
@@ -12168,7 +12216,7 @@
           <p:cNvPr id="5" name="Rectangle 4">
             <a:extLst>
               <a:ext uri="{FF2B5EF4-FFF2-40B4-BE49-F238E27FC236}">
-                <a16:creationId xmlns:a16="http://schemas.microsoft.com/office/drawing/2014/main" xmlns="" id="{B7EAC177-7965-46A1-AA4C-990B719DA089}"/>
+                <a16:creationId xmlns="" xmlns:a16="http://schemas.microsoft.com/office/drawing/2014/main" id="{B7EAC177-7965-46A1-AA4C-990B719DA089}"/>
               </a:ext>
             </a:extLst>
           </p:cNvPr>
@@ -12591,7 +12639,7 @@
           <p:cNvPr id="5" name="Rectangle 4">
             <a:extLst>
               <a:ext uri="{FF2B5EF4-FFF2-40B4-BE49-F238E27FC236}">
-                <a16:creationId xmlns:a16="http://schemas.microsoft.com/office/drawing/2014/main" xmlns="" id="{B7EAC177-7965-46A1-AA4C-990B719DA089}"/>
+                <a16:creationId xmlns="" xmlns:a16="http://schemas.microsoft.com/office/drawing/2014/main" id="{B7EAC177-7965-46A1-AA4C-990B719DA089}"/>
               </a:ext>
             </a:extLst>
           </p:cNvPr>
@@ -13030,7 +13078,7 @@
           <p:cNvPr id="5" name="Rectangle 4">
             <a:extLst>
               <a:ext uri="{FF2B5EF4-FFF2-40B4-BE49-F238E27FC236}">
-                <a16:creationId xmlns:a16="http://schemas.microsoft.com/office/drawing/2014/main" xmlns="" id="{F3C3C9BB-0B5F-4202-B723-3482E37687D1}"/>
+                <a16:creationId xmlns="" xmlns:a16="http://schemas.microsoft.com/office/drawing/2014/main" id="{F3C3C9BB-0B5F-4202-B723-3482E37687D1}"/>
               </a:ext>
             </a:extLst>
           </p:cNvPr>
@@ -13443,7 +13491,7 @@
           <p:cNvPr id="5" name="Rectangle 4">
             <a:extLst>
               <a:ext uri="{FF2B5EF4-FFF2-40B4-BE49-F238E27FC236}">
-                <a16:creationId xmlns:a16="http://schemas.microsoft.com/office/drawing/2014/main" xmlns="" id="{F3C3C9BB-0B5F-4202-B723-3482E37687D1}"/>
+                <a16:creationId xmlns="" xmlns:a16="http://schemas.microsoft.com/office/drawing/2014/main" id="{F3C3C9BB-0B5F-4202-B723-3482E37687D1}"/>
               </a:ext>
             </a:extLst>
           </p:cNvPr>
@@ -13861,7 +13909,7 @@
           <p:cNvPr id="5" name="Rectangle 4">
             <a:extLst>
               <a:ext uri="{FF2B5EF4-FFF2-40B4-BE49-F238E27FC236}">
-                <a16:creationId xmlns:a16="http://schemas.microsoft.com/office/drawing/2014/main" xmlns="" id="{F3C3C9BB-0B5F-4202-B723-3482E37687D1}"/>
+                <a16:creationId xmlns="" xmlns:a16="http://schemas.microsoft.com/office/drawing/2014/main" id="{F3C3C9BB-0B5F-4202-B723-3482E37687D1}"/>
               </a:ext>
             </a:extLst>
           </p:cNvPr>
@@ -14279,7 +14327,7 @@
           <p:cNvPr id="5" name="Rectangle 4">
             <a:extLst>
               <a:ext uri="{FF2B5EF4-FFF2-40B4-BE49-F238E27FC236}">
-                <a16:creationId xmlns:a16="http://schemas.microsoft.com/office/drawing/2014/main" xmlns="" id="{03B2A353-6782-4580-98B0-A32FB23ED9BF}"/>
+                <a16:creationId xmlns="" xmlns:a16="http://schemas.microsoft.com/office/drawing/2014/main" id="{03B2A353-6782-4580-98B0-A32FB23ED9BF}"/>
               </a:ext>
             </a:extLst>
           </p:cNvPr>
@@ -14719,7 +14767,7 @@
           <p:cNvPr id="16386" name="Title 1">
             <a:extLst>
               <a:ext uri="{FF2B5EF4-FFF2-40B4-BE49-F238E27FC236}">
-                <a16:creationId xmlns:a16="http://schemas.microsoft.com/office/drawing/2014/main" xmlns="" id="{5A80C8E4-7DD8-4951-8E51-F8050CBDF46E}"/>
+                <a16:creationId xmlns="" xmlns:a16="http://schemas.microsoft.com/office/drawing/2014/main" id="{5A80C8E4-7DD8-4951-8E51-F8050CBDF46E}"/>
               </a:ext>
             </a:extLst>
           </p:cNvPr>
@@ -14925,7 +14973,7 @@
           <p:cNvPr id="5" name="Table 4">
             <a:extLst>
               <a:ext uri="{FF2B5EF4-FFF2-40B4-BE49-F238E27FC236}">
-                <a16:creationId xmlns:a16="http://schemas.microsoft.com/office/drawing/2014/main" xmlns="" id="{6D7D4144-D34B-4356-BD7B-107C11539A43}"/>
+                <a16:creationId xmlns="" xmlns:a16="http://schemas.microsoft.com/office/drawing/2014/main" id="{6D7D4144-D34B-4356-BD7B-107C11539A43}"/>
               </a:ext>
             </a:extLst>
           </p:cNvPr>
@@ -14948,28 +14996,28 @@
                 <a:gridCol w="1036891">
                   <a:extLst>
                     <a:ext uri="{9D8B030D-6E8A-4147-A177-3AD203B41FA5}">
-                      <a16:colId xmlns:a16="http://schemas.microsoft.com/office/drawing/2014/main" xmlns="" val="20000"/>
+                      <a16:colId xmlns="" xmlns:a16="http://schemas.microsoft.com/office/drawing/2014/main" val="20000"/>
                     </a:ext>
                   </a:extLst>
                 </a:gridCol>
                 <a:gridCol w="2160191">
                   <a:extLst>
                     <a:ext uri="{9D8B030D-6E8A-4147-A177-3AD203B41FA5}">
-                      <a16:colId xmlns:a16="http://schemas.microsoft.com/office/drawing/2014/main" xmlns="" val="20001"/>
+                      <a16:colId xmlns="" xmlns:a16="http://schemas.microsoft.com/office/drawing/2014/main" val="20001"/>
                     </a:ext>
                   </a:extLst>
                 </a:gridCol>
                 <a:gridCol w="3197082">
                   <a:extLst>
                     <a:ext uri="{9D8B030D-6E8A-4147-A177-3AD203B41FA5}">
-                      <a16:colId xmlns:a16="http://schemas.microsoft.com/office/drawing/2014/main" xmlns="" val="20002"/>
+                      <a16:colId xmlns="" xmlns:a16="http://schemas.microsoft.com/office/drawing/2014/main" val="20002"/>
                     </a:ext>
                   </a:extLst>
                 </a:gridCol>
                 <a:gridCol w="2246598">
                   <a:extLst>
                     <a:ext uri="{9D8B030D-6E8A-4147-A177-3AD203B41FA5}">
-                      <a16:colId xmlns:a16="http://schemas.microsoft.com/office/drawing/2014/main" xmlns="" val="20003"/>
+                      <a16:colId xmlns="" xmlns:a16="http://schemas.microsoft.com/office/drawing/2014/main" val="20003"/>
                     </a:ext>
                   </a:extLst>
                 </a:gridCol>
@@ -15105,7 +15153,7 @@
                 </a:tc>
                 <a:extLst>
                   <a:ext uri="{0D108BD9-81ED-4DB2-BD59-A6C34878D82A}">
-                    <a16:rowId xmlns:a16="http://schemas.microsoft.com/office/drawing/2014/main" xmlns="" val="10000"/>
+                    <a16:rowId xmlns="" xmlns:a16="http://schemas.microsoft.com/office/drawing/2014/main" val="10000"/>
                   </a:ext>
                 </a:extLst>
               </a:tr>
@@ -15252,7 +15300,7 @@
                 </a:tc>
                 <a:extLst>
                   <a:ext uri="{0D108BD9-81ED-4DB2-BD59-A6C34878D82A}">
-                    <a16:rowId xmlns:a16="http://schemas.microsoft.com/office/drawing/2014/main" xmlns="" val="10001"/>
+                    <a16:rowId xmlns="" xmlns:a16="http://schemas.microsoft.com/office/drawing/2014/main" val="10001"/>
                   </a:ext>
                 </a:extLst>
               </a:tr>
@@ -15396,7 +15444,7 @@
                 </a:tc>
                 <a:extLst>
                   <a:ext uri="{0D108BD9-81ED-4DB2-BD59-A6C34878D82A}">
-                    <a16:rowId xmlns:a16="http://schemas.microsoft.com/office/drawing/2014/main" xmlns="" val="10002"/>
+                    <a16:rowId xmlns="" xmlns:a16="http://schemas.microsoft.com/office/drawing/2014/main" val="10002"/>
                   </a:ext>
                 </a:extLst>
               </a:tr>
@@ -15543,7 +15591,7 @@
                 </a:tc>
                 <a:extLst>
                   <a:ext uri="{0D108BD9-81ED-4DB2-BD59-A6C34878D82A}">
-                    <a16:rowId xmlns:a16="http://schemas.microsoft.com/office/drawing/2014/main" xmlns="" val="10003"/>
+                    <a16:rowId xmlns="" xmlns:a16="http://schemas.microsoft.com/office/drawing/2014/main" val="10003"/>
                   </a:ext>
                 </a:extLst>
               </a:tr>
@@ -15752,7 +15800,7 @@
           <p:cNvPr id="5" name="Rectangle 4">
             <a:extLst>
               <a:ext uri="{FF2B5EF4-FFF2-40B4-BE49-F238E27FC236}">
-                <a16:creationId xmlns:a16="http://schemas.microsoft.com/office/drawing/2014/main" xmlns="" id="{19B76C34-5F5A-422D-A82F-EBAE74D9C647}"/>
+                <a16:creationId xmlns="" xmlns:a16="http://schemas.microsoft.com/office/drawing/2014/main" id="{19B76C34-5F5A-422D-A82F-EBAE74D9C647}"/>
               </a:ext>
             </a:extLst>
           </p:cNvPr>
@@ -16299,7 +16347,7 @@
           <p:cNvPr id="5" name="Rectangle 4">
             <a:extLst>
               <a:ext uri="{FF2B5EF4-FFF2-40B4-BE49-F238E27FC236}">
-                <a16:creationId xmlns:a16="http://schemas.microsoft.com/office/drawing/2014/main" xmlns="" id="{690D3D87-0BB2-4DB1-9584-D4D6237CCF70}"/>
+                <a16:creationId xmlns="" xmlns:a16="http://schemas.microsoft.com/office/drawing/2014/main" id="{690D3D87-0BB2-4DB1-9584-D4D6237CCF70}"/>
               </a:ext>
             </a:extLst>
           </p:cNvPr>
@@ -16364,200 +16412,7 @@
             </a:r>
           </a:p>
           <a:p>
-            <a:pPr marL="742950" lvl="1" indent="-285750">
-              <a:buFont typeface="Wingdings" panose="05000000000000000000" pitchFamily="2" charset="2"/>
-              <a:buChar char="§"/>
-              <a:defRPr/>
-            </a:pPr>
-            <a:r>
-              <a:rPr lang="en-SG" dirty="0">
-                <a:solidFill>
-                  <a:schemeClr val="tx1"/>
-                </a:solidFill>
-              </a:rPr>
-              <a:t>&lt;Label and paste the screen shots of all evidences which show the project outcome&gt;</a:t>
-            </a:r>
-          </a:p>
-          <a:p>
-            <a:pPr marL="742950" lvl="1" indent="-285750">
-              <a:buFont typeface="Wingdings" panose="05000000000000000000" pitchFamily="2" charset="2"/>
-              <a:buChar char="§"/>
-              <a:defRPr/>
-            </a:pPr>
-            <a:r>
-              <a:rPr lang="en-SG" dirty="0">
-                <a:solidFill>
-                  <a:schemeClr val="tx1"/>
-                </a:solidFill>
-              </a:rPr>
-              <a:t>……</a:t>
-            </a:r>
-          </a:p>
-          <a:p>
-            <a:pPr marL="742950" lvl="1" indent="-285750">
-              <a:buFont typeface="Wingdings" panose="05000000000000000000" pitchFamily="2" charset="2"/>
-              <a:buChar char="§"/>
-              <a:defRPr/>
-            </a:pPr>
-            <a:r>
-              <a:rPr lang="en-SG" dirty="0">
-                <a:solidFill>
-                  <a:schemeClr val="tx1"/>
-                </a:solidFill>
-              </a:rPr>
-              <a:t>……</a:t>
-            </a:r>
-          </a:p>
-          <a:p>
-            <a:pPr marL="742950" lvl="1" indent="-285750">
-              <a:buFont typeface="Wingdings" panose="05000000000000000000" pitchFamily="2" charset="2"/>
-              <a:buChar char="§"/>
-              <a:defRPr/>
-            </a:pPr>
-            <a:r>
-              <a:rPr lang="en-SG" dirty="0">
-                <a:solidFill>
-                  <a:schemeClr val="tx1"/>
-                </a:solidFill>
-              </a:rPr>
-              <a:t>……</a:t>
-            </a:r>
-            <a:endParaRPr lang="en-SG" sz="2000" b="1" dirty="0">
-              <a:solidFill>
-                <a:schemeClr val="tx1"/>
-              </a:solidFill>
-            </a:endParaRPr>
-          </a:p>
-          <a:p>
-            <a:pPr marL="742950" lvl="1" indent="-285750">
-              <a:buFont typeface="Wingdings" panose="05000000000000000000" pitchFamily="2" charset="2"/>
-              <a:buChar char="§"/>
-              <a:defRPr/>
-            </a:pPr>
-            <a:r>
-              <a:rPr lang="en-SG" dirty="0">
-                <a:solidFill>
-                  <a:schemeClr val="tx1"/>
-                </a:solidFill>
-              </a:rPr>
-              <a:t>……</a:t>
-            </a:r>
-          </a:p>
-          <a:p>
-            <a:pPr marL="742950" lvl="1" indent="-285750">
-              <a:buFont typeface="Wingdings" panose="05000000000000000000" pitchFamily="2" charset="2"/>
-              <a:buChar char="§"/>
-              <a:defRPr/>
-            </a:pPr>
-            <a:r>
-              <a:rPr lang="en-SG" dirty="0">
-                <a:solidFill>
-                  <a:schemeClr val="tx1"/>
-                </a:solidFill>
-              </a:rPr>
-              <a:t>……</a:t>
-            </a:r>
-          </a:p>
-          <a:p>
-            <a:pPr marL="742950" lvl="1" indent="-285750">
-              <a:buFont typeface="Wingdings" panose="05000000000000000000" pitchFamily="2" charset="2"/>
-              <a:buChar char="§"/>
-              <a:defRPr/>
-            </a:pPr>
-            <a:r>
-              <a:rPr lang="en-SG" dirty="0">
-                <a:solidFill>
-                  <a:schemeClr val="tx1"/>
-                </a:solidFill>
-              </a:rPr>
-              <a:t>……</a:t>
-            </a:r>
-          </a:p>
-          <a:p>
-            <a:pPr marL="285750" indent="-285750">
-              <a:spcBef>
-                <a:spcPts val="600"/>
-              </a:spcBef>
-              <a:spcAft>
-                <a:spcPts val="600"/>
-              </a:spcAft>
-              <a:buFont typeface="Wingdings" panose="05000000000000000000" pitchFamily="2" charset="2"/>
-              <a:buChar char="q"/>
-              <a:defRPr/>
-            </a:pPr>
-            <a:r>
-              <a:rPr lang="en-SG" sz="2000" b="1" dirty="0">
-                <a:solidFill>
-                  <a:schemeClr val="tx1"/>
-                </a:solidFill>
-              </a:rPr>
-              <a:t>Link for the Project Walkthrough</a:t>
-            </a:r>
-          </a:p>
-          <a:p>
-            <a:pPr marL="742950" lvl="1" indent="-285750">
-              <a:buFont typeface="Wingdings" panose="05000000000000000000" pitchFamily="2" charset="2"/>
-              <a:buChar char="§"/>
-              <a:defRPr/>
-            </a:pPr>
-            <a:r>
-              <a:rPr lang="en-SG" dirty="0">
-                <a:solidFill>
-                  <a:schemeClr val="tx1"/>
-                </a:solidFill>
-              </a:rPr>
-              <a:t>&lt;Describe the solution proposed to meet the above requirements</a:t>
-            </a:r>
-          </a:p>
-          <a:p>
-            <a:pPr marL="742950" lvl="1" indent="-285750">
-              <a:buFont typeface="Wingdings" panose="05000000000000000000" pitchFamily="2" charset="2"/>
-              <a:buChar char="§"/>
-              <a:defRPr/>
-            </a:pPr>
-            <a:r>
-              <a:rPr lang="en-SG" dirty="0">
-                <a:solidFill>
-                  <a:schemeClr val="tx1"/>
-                </a:solidFill>
-              </a:rPr>
-              <a:t>……</a:t>
-            </a:r>
-          </a:p>
-          <a:p>
-            <a:pPr marL="742950" lvl="1" indent="-285750">
-              <a:buFont typeface="Wingdings" panose="05000000000000000000" pitchFamily="2" charset="2"/>
-              <a:buChar char="§"/>
-              <a:defRPr/>
-            </a:pPr>
-            <a:r>
-              <a:rPr lang="en-SG" dirty="0">
-                <a:solidFill>
-                  <a:schemeClr val="tx1"/>
-                </a:solidFill>
-              </a:rPr>
-              <a:t>……</a:t>
-            </a:r>
-          </a:p>
-          <a:p>
-            <a:pPr marL="742950" lvl="1" indent="-285750">
-              <a:buFont typeface="Wingdings" panose="05000000000000000000" pitchFamily="2" charset="2"/>
-              <a:buChar char="§"/>
-              <a:defRPr/>
-            </a:pPr>
-            <a:r>
-              <a:rPr lang="en-SG" dirty="0">
-                <a:solidFill>
-                  <a:schemeClr val="tx1"/>
-                </a:solidFill>
-              </a:rPr>
-              <a:t>……</a:t>
-            </a:r>
-          </a:p>
-          <a:p>
-            <a:pPr marL="285750" indent="-285750">
-              <a:buFont typeface="Wingdings" panose="05000000000000000000" pitchFamily="2" charset="2"/>
-              <a:buChar char="q"/>
+            <a:pPr>
               <a:defRPr/>
             </a:pPr>
             <a:endParaRPr lang="en-SG" dirty="0">
@@ -16688,7 +16543,108 @@
           </a:p>
         </p:txBody>
       </p:sp>
+      <p:pic>
+        <p:nvPicPr>
+          <p:cNvPr id="6" name="Picture 5"/>
+          <p:cNvPicPr>
+            <a:picLocks noChangeAspect="1"/>
+          </p:cNvPicPr>
+          <p:nvPr/>
+        </p:nvPicPr>
+        <p:blipFill>
+          <a:blip r:embed="rId3"/>
+          <a:stretch>
+            <a:fillRect/>
+          </a:stretch>
+        </p:blipFill>
+        <p:spPr>
+          <a:xfrm>
+            <a:off x="4758841" y="1654729"/>
+            <a:ext cx="3931617" cy="2210455"/>
+          </a:xfrm>
+          <a:prstGeom prst="rect">
+            <a:avLst/>
+          </a:prstGeom>
+        </p:spPr>
+      </p:pic>
+      <p:pic>
+        <p:nvPicPr>
+          <p:cNvPr id="3" name="Picture 2"/>
+          <p:cNvPicPr>
+            <a:picLocks noChangeAspect="1"/>
+          </p:cNvPicPr>
+          <p:nvPr/>
+        </p:nvPicPr>
+        <p:blipFill>
+          <a:blip r:embed="rId4"/>
+          <a:stretch>
+            <a:fillRect/>
+          </a:stretch>
+        </p:blipFill>
+        <p:spPr>
+          <a:xfrm>
+            <a:off x="323529" y="1654730"/>
+            <a:ext cx="3931616" cy="2210455"/>
+          </a:xfrm>
+          <a:prstGeom prst="rect">
+            <a:avLst/>
+          </a:prstGeom>
+        </p:spPr>
+      </p:pic>
+      <p:pic>
+        <p:nvPicPr>
+          <p:cNvPr id="4" name="Picture 3"/>
+          <p:cNvPicPr>
+            <a:picLocks noChangeAspect="1"/>
+          </p:cNvPicPr>
+          <p:nvPr/>
+        </p:nvPicPr>
+        <p:blipFill>
+          <a:blip r:embed="rId5"/>
+          <a:stretch>
+            <a:fillRect/>
+          </a:stretch>
+        </p:blipFill>
+        <p:spPr>
+          <a:xfrm>
+            <a:off x="4785867" y="4162417"/>
+            <a:ext cx="3931617" cy="2210455"/>
+          </a:xfrm>
+          <a:prstGeom prst="rect">
+            <a:avLst/>
+          </a:prstGeom>
+        </p:spPr>
+      </p:pic>
+      <p:pic>
+        <p:nvPicPr>
+          <p:cNvPr id="8" name="Picture 7"/>
+          <p:cNvPicPr>
+            <a:picLocks noChangeAspect="1"/>
+          </p:cNvPicPr>
+          <p:nvPr/>
+        </p:nvPicPr>
+        <p:blipFill>
+          <a:blip r:embed="rId6"/>
+          <a:stretch>
+            <a:fillRect/>
+          </a:stretch>
+        </p:blipFill>
+        <p:spPr>
+          <a:xfrm>
+            <a:off x="323530" y="4162417"/>
+            <a:ext cx="3931616" cy="2210455"/>
+          </a:xfrm>
+          <a:prstGeom prst="rect">
+            <a:avLst/>
+          </a:prstGeom>
+        </p:spPr>
+      </p:pic>
     </p:spTree>
+    <p:extLst>
+      <p:ext uri="{BB962C8B-B14F-4D97-AF65-F5344CB8AC3E}">
+        <p14:creationId xmlns:p14="http://schemas.microsoft.com/office/powerpoint/2010/main" val="3644179306"/>
+      </p:ext>
+    </p:extLst>
   </p:cSld>
   <p:clrMapOvr>
     <a:masterClrMapping/>
@@ -16889,7 +16845,7 @@
           <p:cNvPr id="5" name="Rectangle 4">
             <a:extLst>
               <a:ext uri="{FF2B5EF4-FFF2-40B4-BE49-F238E27FC236}">
-                <a16:creationId xmlns:a16="http://schemas.microsoft.com/office/drawing/2014/main" xmlns="" id="{EC6C6D57-776C-428F-8DF7-6E197AB35C76}"/>
+                <a16:creationId xmlns="" xmlns:a16="http://schemas.microsoft.com/office/drawing/2014/main" id="{EC6C6D57-776C-428F-8DF7-6E197AB35C76}"/>
               </a:ext>
             </a:extLst>
           </p:cNvPr>
@@ -16964,9 +16920,24 @@
                 <a:solidFill>
                   <a:schemeClr val="tx1"/>
                 </a:solidFill>
+                <a:hlinkClick r:id="rId3"/>
               </a:rPr>
-              <a:t>&lt;Paste the links of the Project demonstrations which can be used and demonstrated during the project presentation)</a:t>
+              <a:t>http://projects.lithan.net/Singapore/SG0319A10L/Singapore/SG0319A10L/m2proj</a:t>
             </a:r>
+            <a:r>
+              <a:rPr lang="en-SG" dirty="0" smtClean="0">
+                <a:solidFill>
+                  <a:schemeClr val="tx1"/>
+                </a:solidFill>
+                <a:hlinkClick r:id="rId3"/>
+              </a:rPr>
+              <a:t>/</a:t>
+            </a:r>
+            <a:endParaRPr lang="en-SG" dirty="0" smtClean="0">
+              <a:solidFill>
+                <a:schemeClr val="tx1"/>
+              </a:solidFill>
+            </a:endParaRPr>
           </a:p>
           <a:p>
             <a:pPr marL="742950" lvl="1" indent="-285750">
@@ -16979,9 +16950,24 @@
                 <a:solidFill>
                   <a:schemeClr val="tx1"/>
                 </a:solidFill>
+                <a:hlinkClick r:id="rId4"/>
               </a:rPr>
-              <a:t>……</a:t>
+              <a:t>http://projects.lithan.net/Singapore/SG0319A10L/Singapore/SG0319A10L/m2proj/#</a:t>
             </a:r>
+            <a:r>
+              <a:rPr lang="en-SG" dirty="0" smtClean="0">
+                <a:solidFill>
+                  <a:schemeClr val="tx1"/>
+                </a:solidFill>
+                <a:hlinkClick r:id="rId4"/>
+              </a:rPr>
+              <a:t>course-listing</a:t>
+            </a:r>
+            <a:endParaRPr lang="en-SG" dirty="0" smtClean="0">
+              <a:solidFill>
+                <a:schemeClr val="tx1"/>
+              </a:solidFill>
+            </a:endParaRPr>
           </a:p>
           <a:p>
             <a:pPr marL="742950" lvl="1" indent="-285750">
@@ -16994,9 +16980,15 @@
                 <a:solidFill>
                   <a:schemeClr val="tx1"/>
                 </a:solidFill>
+                <a:hlinkClick r:id="rId5"/>
               </a:rPr>
-              <a:t>……</a:t>
+              <a:t>http://projects.lithan.net/Singapore/SG0319A10L/Singapore/SG0319A10L/m2proj/#HTML</a:t>
             </a:r>
+            <a:endParaRPr lang="en-SG" dirty="0" smtClean="0">
+              <a:solidFill>
+                <a:schemeClr val="tx1"/>
+              </a:solidFill>
+            </a:endParaRPr>
           </a:p>
           <a:p>
             <a:pPr marL="742950" lvl="1" indent="-285750">
@@ -17009,16 +17001,10 @@
                 <a:solidFill>
                   <a:schemeClr val="tx1"/>
                 </a:solidFill>
+                <a:hlinkClick r:id="rId6"/>
               </a:rPr>
-              <a:t>……</a:t>
+              <a:t>http://projects.lithan.net/Singapore/SG0319A10L/Singapore/SG0319A10L/m2proj/#registration</a:t>
             </a:r>
-          </a:p>
-          <a:p>
-            <a:pPr marL="285750" indent="-285750">
-              <a:buFont typeface="Wingdings" panose="05000000000000000000" pitchFamily="2" charset="2"/>
-              <a:buChar char="q"/>
-              <a:defRPr/>
-            </a:pPr>
             <a:endParaRPr lang="en-SG" dirty="0">
               <a:solidFill>
                 <a:schemeClr val="tx1"/>
@@ -17348,7 +17334,7 @@
           <p:cNvPr id="5" name="Rectangle 4">
             <a:extLst>
               <a:ext uri="{FF2B5EF4-FFF2-40B4-BE49-F238E27FC236}">
-                <a16:creationId xmlns:a16="http://schemas.microsoft.com/office/drawing/2014/main" xmlns="" id="{B1F0545A-A2BC-49EB-85FF-1471C325E72F}"/>
+                <a16:creationId xmlns="" xmlns:a16="http://schemas.microsoft.com/office/drawing/2014/main" id="{B1F0545A-A2BC-49EB-85FF-1471C325E72F}"/>
               </a:ext>
             </a:extLst>
           </p:cNvPr>
@@ -17459,8 +17445,36 @@
                   <a:schemeClr val="tx1"/>
                 </a:solidFill>
               </a:rPr>
-              <a:t>Make codes more efficient</a:t>
+              <a:t>Make codes more </a:t>
             </a:r>
+            <a:r>
+              <a:rPr lang="en-SG" dirty="0" smtClean="0">
+                <a:solidFill>
+                  <a:schemeClr val="tx1"/>
+                </a:solidFill>
+              </a:rPr>
+              <a:t>efficient</a:t>
+            </a:r>
+          </a:p>
+          <a:p>
+            <a:pPr marL="742950" lvl="1" indent="-285750">
+              <a:buFont typeface="Wingdings" panose="05000000000000000000" pitchFamily="2" charset="2"/>
+              <a:buChar char="§"/>
+              <a:defRPr/>
+            </a:pPr>
+            <a:r>
+              <a:rPr lang="en-SG" dirty="0" smtClean="0">
+                <a:solidFill>
+                  <a:schemeClr val="tx1"/>
+                </a:solidFill>
+              </a:rPr>
+              <a:t>Use JSON to load all course details rather than hardcoding</a:t>
+            </a:r>
+            <a:endParaRPr lang="en-SG" dirty="0" smtClean="0">
+              <a:solidFill>
+                <a:schemeClr val="tx1"/>
+              </a:solidFill>
+            </a:endParaRPr>
           </a:p>
           <a:p>
             <a:pPr marL="742950" lvl="1" indent="-285750">
@@ -17585,7 +17599,7 @@
           <p:cNvPr id="16386" name="Title 1">
             <a:extLst>
               <a:ext uri="{FF2B5EF4-FFF2-40B4-BE49-F238E27FC236}">
-                <a16:creationId xmlns:a16="http://schemas.microsoft.com/office/drawing/2014/main" xmlns="" id="{91E1AFF5-36EF-4DD5-8542-C073BC3518EF}"/>
+                <a16:creationId xmlns="" xmlns:a16="http://schemas.microsoft.com/office/drawing/2014/main" id="{91E1AFF5-36EF-4DD5-8542-C073BC3518EF}"/>
               </a:ext>
             </a:extLst>
           </p:cNvPr>
@@ -18260,7 +18274,7 @@
           <p:cNvPr id="5" name="Rectangle 4">
             <a:extLst>
               <a:ext uri="{FF2B5EF4-FFF2-40B4-BE49-F238E27FC236}">
-                <a16:creationId xmlns:a16="http://schemas.microsoft.com/office/drawing/2014/main" xmlns="" id="{E43C1652-5101-40A2-94C7-F6BE23F9C594}"/>
+                <a16:creationId xmlns="" xmlns:a16="http://schemas.microsoft.com/office/drawing/2014/main" id="{E43C1652-5101-40A2-94C7-F6BE23F9C594}"/>
               </a:ext>
             </a:extLst>
           </p:cNvPr>
@@ -18894,6 +18908,13 @@
   <p:clrMapOvr>
     <a:masterClrMapping/>
   </p:clrMapOvr>
+  <p:timing>
+    <p:tnLst>
+      <p:par>
+        <p:cTn id="1" dur="indefinite" restart="never" nodeType="tmRoot"/>
+      </p:par>
+    </p:tnLst>
+  </p:timing>
 </p:sld>
 </file>
 
@@ -19083,7 +19104,7 @@
           <p:cNvPr id="5" name="Rectangle 4">
             <a:extLst>
               <a:ext uri="{FF2B5EF4-FFF2-40B4-BE49-F238E27FC236}">
-                <a16:creationId xmlns:a16="http://schemas.microsoft.com/office/drawing/2014/main" xmlns="" id="{0FF74869-74C2-44A7-8925-93275F9D18B8}"/>
+                <a16:creationId xmlns="" xmlns:a16="http://schemas.microsoft.com/office/drawing/2014/main" id="{0FF74869-74C2-44A7-8925-93275F9D18B8}"/>
               </a:ext>
             </a:extLst>
           </p:cNvPr>
@@ -19521,7 +19542,7 @@
           <p:cNvPr id="5" name="Rectangle 4">
             <a:extLst>
               <a:ext uri="{FF2B5EF4-FFF2-40B4-BE49-F238E27FC236}">
-                <a16:creationId xmlns:a16="http://schemas.microsoft.com/office/drawing/2014/main" xmlns="" id="{0FF74869-74C2-44A7-8925-93275F9D18B8}"/>
+                <a16:creationId xmlns="" xmlns:a16="http://schemas.microsoft.com/office/drawing/2014/main" id="{0FF74869-74C2-44A7-8925-93275F9D18B8}"/>
               </a:ext>
             </a:extLst>
           </p:cNvPr>
@@ -19959,7 +19980,7 @@
           <p:cNvPr id="5" name="Rectangle 4">
             <a:extLst>
               <a:ext uri="{FF2B5EF4-FFF2-40B4-BE49-F238E27FC236}">
-                <a16:creationId xmlns:a16="http://schemas.microsoft.com/office/drawing/2014/main" xmlns="" id="{0FF74869-74C2-44A7-8925-93275F9D18B8}"/>
+                <a16:creationId xmlns="" xmlns:a16="http://schemas.microsoft.com/office/drawing/2014/main" id="{0FF74869-74C2-44A7-8925-93275F9D18B8}"/>
               </a:ext>
             </a:extLst>
           </p:cNvPr>
@@ -20402,7 +20423,7 @@
           <p:cNvPr id="5" name="Rectangle 4">
             <a:extLst>
               <a:ext uri="{FF2B5EF4-FFF2-40B4-BE49-F238E27FC236}">
-                <a16:creationId xmlns:a16="http://schemas.microsoft.com/office/drawing/2014/main" xmlns="" id="{0FF74869-74C2-44A7-8925-93275F9D18B8}"/>
+                <a16:creationId xmlns="" xmlns:a16="http://schemas.microsoft.com/office/drawing/2014/main" id="{0FF74869-74C2-44A7-8925-93275F9D18B8}"/>
               </a:ext>
             </a:extLst>
           </p:cNvPr>
@@ -22151,6 +22172,12 @@
 </file>
 
 <file path=customXml/item1.xml><?xml version="1.0" encoding="utf-8"?>
+<p:properties xmlns:p="http://schemas.microsoft.com/office/2006/metadata/properties" xmlns:xsi="http://www.w3.org/2001/XMLSchema-instance" xmlns:pc="http://schemas.microsoft.com/office/infopath/2007/PartnerControls">
+  <documentManagement/>
+</p:properties>
+</file>
+
+<file path=customXml/item2.xml><?xml version="1.0" encoding="utf-8"?>
 <ct:contentTypeSchema xmlns:ct="http://schemas.microsoft.com/office/2006/metadata/contentType" xmlns:ma="http://schemas.microsoft.com/office/2006/metadata/properties/metaAttributes" ct:_="" ma:_="" ma:contentTypeName="Document" ma:contentTypeID="0x010100CCA42FA94CC64944985BE93158E9ADE0" ma:contentTypeVersion="0" ma:contentTypeDescription="Create a new document." ma:contentTypeScope="" ma:versionID="01a1c0778f5d85e1f1b68635343aa61d">
   <xsd:schema xmlns:xsd="http://www.w3.org/2001/XMLSchema" xmlns:xs="http://www.w3.org/2001/XMLSchema" xmlns:p="http://schemas.microsoft.com/office/2006/metadata/properties" targetNamespace="http://schemas.microsoft.com/office/2006/metadata/properties" ma:root="true" ma:fieldsID="ce8df3bfa6a24a2ffcf512df2f51dd66">
     <xsd:element name="properties">
@@ -22264,13 +22291,22 @@
 </ct:contentTypeSchema>
 </file>
 
-<file path=customXml/item2.xml><?xml version="1.0" encoding="utf-8"?>
-<p:properties xmlns:p="http://schemas.microsoft.com/office/2006/metadata/properties" xmlns:xsi="http://www.w3.org/2001/XMLSchema-instance" xmlns:pc="http://schemas.microsoft.com/office/infopath/2007/PartnerControls">
-  <documentManagement/>
-</p:properties>
+<file path=customXml/itemProps1.xml><?xml version="1.0" encoding="utf-8"?>
+<ds:datastoreItem xmlns:ds="http://schemas.openxmlformats.org/officeDocument/2006/customXml" ds:itemID="{2266DF83-F59A-4BFB-8812-336A667C4C43}">
+  <ds:schemaRefs>
+    <ds:schemaRef ds:uri="http://purl.org/dc/terms/"/>
+    <ds:schemaRef ds:uri="http://schemas.openxmlformats.org/package/2006/metadata/core-properties"/>
+    <ds:schemaRef ds:uri="http://schemas.microsoft.com/office/2006/documentManagement/types"/>
+    <ds:schemaRef ds:uri="http://schemas.microsoft.com/office/infopath/2007/PartnerControls"/>
+    <ds:schemaRef ds:uri="http://purl.org/dc/elements/1.1/"/>
+    <ds:schemaRef ds:uri="http://schemas.microsoft.com/office/2006/metadata/properties"/>
+    <ds:schemaRef ds:uri="http://www.w3.org/XML/1998/namespace"/>
+    <ds:schemaRef ds:uri="http://purl.org/dc/dcmitype/"/>
+  </ds:schemaRefs>
+</ds:datastoreItem>
 </file>
 
-<file path=customXml/itemProps1.xml><?xml version="1.0" encoding="utf-8"?>
+<file path=customXml/itemProps2.xml><?xml version="1.0" encoding="utf-8"?>
 <ds:datastoreItem xmlns:ds="http://schemas.openxmlformats.org/officeDocument/2006/customXml" ds:itemID="{296D54F9-6676-40B4-88DE-4E587CD5770A}">
   <ds:schemaRefs>
     <ds:schemaRef ds:uri="http://schemas.microsoft.com/office/2006/metadata/contentType"/>
@@ -22284,19 +22320,4 @@
     <ds:schemaRef ds:uri="http://schemas.microsoft.com/office/infopath/2007/PartnerControls"/>
   </ds:schemaRefs>
 </ds:datastoreItem>
-</file>
-
-<file path=customXml/itemProps2.xml><?xml version="1.0" encoding="utf-8"?>
-<ds:datastoreItem xmlns:ds="http://schemas.openxmlformats.org/officeDocument/2006/customXml" ds:itemID="{2266DF83-F59A-4BFB-8812-336A667C4C43}">
-  <ds:schemaRefs>
-    <ds:schemaRef ds:uri="http://purl.org/dc/terms/"/>
-    <ds:schemaRef ds:uri="http://schemas.openxmlformats.org/package/2006/metadata/core-properties"/>
-    <ds:schemaRef ds:uri="http://schemas.microsoft.com/office/2006/documentManagement/types"/>
-    <ds:schemaRef ds:uri="http://schemas.microsoft.com/office/infopath/2007/PartnerControls"/>
-    <ds:schemaRef ds:uri="http://purl.org/dc/elements/1.1/"/>
-    <ds:schemaRef ds:uri="http://schemas.microsoft.com/office/2006/metadata/properties"/>
-    <ds:schemaRef ds:uri="http://www.w3.org/XML/1998/namespace"/>
-    <ds:schemaRef ds:uri="http://purl.org/dc/dcmitype/"/>
-  </ds:schemaRefs>
-</ds:datastoreItem>
 </file>